--- a/pub_quiz_app/_documentation/Project Presentation.pptx
+++ b/pub_quiz_app/_documentation/Project Presentation.pptx
@@ -16,6 +16,7 @@
     <p:sldId id="266" r:id="rId10"/>
     <p:sldId id="267" r:id="rId11"/>
     <p:sldId id="268" r:id="rId12"/>
+    <p:sldId id="269" r:id="rId13"/>
   </p:sldIdLst>
   <p:sldSz cx="12192000" cy="6858000"/>
   <p:notesSz cx="6858000" cy="9144000"/>
@@ -114,6 +115,11 @@
       </a:defRPr>
     </a:lvl9pPr>
   </p:defaultTextStyle>
+  <p:extLst>
+    <p:ext uri="{EFAFB233-063F-42B5-8137-9DF3F51BA10A}">
+      <p15:sldGuideLst xmlns:p15="http://schemas.microsoft.com/office/powerpoint/2012/main"/>
+    </p:ext>
+  </p:extLst>
 </p:presentation>
 </file>
 
@@ -4140,12 +4146,8 @@
           <a:lstStyle/>
           <a:p>
             <a:r>
-              <a:rPr lang="en-US" sz="4000" u="sng" cap="none" dirty="0" err="1"/>
-              <a:t>DougsQuiz</a:t>
-            </a:r>
-            <a:r>
               <a:rPr lang="en-US" sz="4000" u="sng" cap="none" dirty="0"/>
-              <a:t> - Introduction</a:t>
+              <a:t>Introduction</a:t>
             </a:r>
           </a:p>
         </p:txBody>
@@ -4796,24 +4798,32 @@
           <a:lstStyle/>
           <a:p>
             <a:r>
-              <a:rPr lang="en-US" sz="2400"/>
+              <a:rPr lang="en-US" sz="2400" dirty="0" err="1"/>
+              <a:t>DougsQuiz</a:t>
+            </a:r>
+            <a:endParaRPr lang="en-US" sz="2400" dirty="0"/>
+          </a:p>
+          <a:p>
+            <a:pPr lvl="1"/>
+            <a:r>
+              <a:rPr lang="en-US" sz="2000" dirty="0"/>
               <a:t>Bespoke pub quizzes</a:t>
             </a:r>
           </a:p>
           <a:p>
             <a:pPr marL="0"/>
-            <a:endParaRPr lang="en-US" sz="2400"/>
-          </a:p>
-          <a:p>
-            <a:r>
-              <a:rPr lang="en-US" sz="2400"/>
+            <a:endParaRPr lang="en-US" sz="2400" dirty="0"/>
+          </a:p>
+          <a:p>
+            <a:r>
+              <a:rPr lang="en-US" sz="2400" dirty="0"/>
               <a:t>Automatically Generated</a:t>
             </a:r>
           </a:p>
           <a:p>
             <a:pPr lvl="1"/>
             <a:r>
-              <a:rPr lang="en-US"/>
+              <a:rPr lang="en-US" sz="2000" dirty="0"/>
               <a:t>According To Customer Requirements</a:t>
             </a:r>
           </a:p>
@@ -5659,6 +5669,66 @@
             </a:r>
           </a:p>
           <a:p>
+            <a:pPr marL="457200" lvl="1" indent="0">
+              <a:buNone/>
+            </a:pPr>
+            <a:endParaRPr lang="en-GB" sz="1600" dirty="0"/>
+          </a:p>
+          <a:p>
+            <a:r>
+              <a:rPr lang="en-GB" sz="1800" dirty="0"/>
+              <a:t>What would I do differently?</a:t>
+            </a:r>
+          </a:p>
+          <a:p>
+            <a:pPr lvl="1"/>
+            <a:r>
+              <a:rPr lang="en-GB" sz="1600" dirty="0"/>
+              <a:t>No labs </a:t>
+            </a:r>
+            <a:r>
+              <a:rPr lang="en-GB" sz="1600" dirty="0" err="1"/>
+              <a:t>transliteraton</a:t>
+            </a:r>
+            <a:r>
+              <a:rPr lang="en-GB" sz="1600" dirty="0"/>
+              <a:t>.</a:t>
+            </a:r>
+          </a:p>
+          <a:p>
+            <a:pPr lvl="1"/>
+            <a:r>
+              <a:rPr lang="en-GB" sz="1600" dirty="0"/>
+              <a:t>No </a:t>
+            </a:r>
+            <a:r>
+              <a:rPr lang="en-GB" sz="1600" dirty="0" err="1"/>
+              <a:t>copypasta</a:t>
+            </a:r>
+            <a:r>
+              <a:rPr lang="en-GB" sz="1600" dirty="0"/>
+              <a:t>.</a:t>
+            </a:r>
+          </a:p>
+          <a:p>
+            <a:pPr lvl="1"/>
+            <a:r>
+              <a:rPr lang="en-GB" sz="1600" dirty="0"/>
+              <a:t>Take longer to compete one part fully.</a:t>
+            </a:r>
+          </a:p>
+          <a:p>
+            <a:pPr lvl="2"/>
+            <a:r>
+              <a:rPr lang="en-GB" sz="1400" dirty="0"/>
+              <a:t>Better understanding of material.</a:t>
+            </a:r>
+          </a:p>
+          <a:p>
+            <a:pPr lvl="1"/>
+            <a:endParaRPr lang="en-GB" sz="1600" dirty="0"/>
+          </a:p>
+          <a:p>
             <a:pPr lvl="2"/>
             <a:endParaRPr lang="en-GB" sz="1600" dirty="0"/>
           </a:p>
@@ -5830,8 +5900,8 @@
           <a:lstStyle/>
           <a:p>
             <a:r>
-              <a:rPr lang="en-US" sz="4000" u="sng" dirty="0"/>
-              <a:t>App Showcase</a:t>
+              <a:rPr lang="en-US" sz="4000" u="sng" dirty="0" err="1"/>
+              <a:t>Datastructure</a:t>
             </a:r>
             <a:endParaRPr lang="en-US" sz="4000" u="sng" cap="none" dirty="0"/>
           </a:p>
@@ -6483,8 +6553,8 @@
           <a:lstStyle/>
           <a:p>
             <a:r>
-              <a:rPr lang="en-GB" sz="1800" dirty="0"/>
-              <a:t>Launch the browser!</a:t>
+              <a:rPr lang="en-GB" sz="1800"/>
+              <a:t>Launch Excel!</a:t>
             </a:r>
             <a:endParaRPr lang="en-GB" sz="1400" dirty="0"/>
           </a:p>
@@ -6515,7 +6585,7 @@
 </p:sld>
 </file>
 
-<file path=ppt/slides/slide2.xml><?xml version="1.0" encoding="utf-8"?>
+<file path=ppt/slides/slide12.xml><?xml version="1.0" encoding="utf-8"?>
 <p:sld xmlns:a="http://schemas.openxmlformats.org/drawingml/2006/main" xmlns:r="http://schemas.openxmlformats.org/officeDocument/2006/relationships" xmlns:p="http://schemas.openxmlformats.org/presentationml/2006/main">
   <p:cSld>
     <p:bg>
@@ -6660,9 +6730,10 @@
           <a:lstStyle/>
           <a:p>
             <a:r>
-              <a:rPr lang="en-US" sz="4000" u="sng" cap="none" dirty="0"/>
-              <a:t>An Original Brief - MVP</a:t>
-            </a:r>
+              <a:rPr lang="en-US" sz="4000" u="sng" dirty="0"/>
+              <a:t>App Showcase</a:t>
+            </a:r>
+            <a:endParaRPr lang="en-US" sz="4000" u="sng" cap="none" dirty="0"/>
           </a:p>
         </p:txBody>
       </p:sp>
@@ -7312,84 +7383,29 @@
           <a:lstStyle/>
           <a:p>
             <a:r>
-              <a:rPr lang="en-US" sz="1800" dirty="0"/>
-              <a:t>MVP - Questions:</a:t>
-            </a:r>
-          </a:p>
-          <a:p>
-            <a:pPr marL="0"/>
-            <a:endParaRPr lang="en-US" sz="1800" dirty="0"/>
-          </a:p>
-          <a:p>
-            <a:pPr lvl="1"/>
-            <a:r>
-              <a:rPr lang="en-US" sz="1800" dirty="0"/>
-              <a:t>Question</a:t>
-            </a:r>
-          </a:p>
-          <a:p>
-            <a:pPr lvl="1"/>
-            <a:r>
-              <a:rPr lang="en-US" sz="1800" dirty="0"/>
-              <a:t>Correct Answer</a:t>
-            </a:r>
-          </a:p>
-          <a:p>
-            <a:pPr lvl="1"/>
-            <a:r>
-              <a:rPr lang="en-US" sz="1800" dirty="0"/>
-              <a:t>Incorrect Answers</a:t>
-            </a:r>
+              <a:rPr lang="en-GB" sz="1800" dirty="0"/>
+              <a:t>Launch the browser!</a:t>
+            </a:r>
+            <a:endParaRPr lang="en-GB" sz="1400" dirty="0"/>
           </a:p>
           <a:p>
             <a:pPr lvl="2"/>
-            <a:r>
-              <a:rPr lang="en-US" sz="1800" dirty="0"/>
-              <a:t>There should be three. So so that each question is multiple choice.</a:t>
-            </a:r>
-          </a:p>
-          <a:p>
-            <a:pPr marL="914400" lvl="2"/>
-            <a:endParaRPr lang="en-US" sz="1800" dirty="0"/>
-          </a:p>
-          <a:p>
-            <a:pPr lvl="1"/>
-            <a:r>
-              <a:rPr lang="en-US" sz="1800" dirty="0"/>
-              <a:t>A difficulty level</a:t>
-            </a:r>
+            <a:endParaRPr lang="en-GB" sz="1600" dirty="0"/>
           </a:p>
           <a:p>
             <a:pPr lvl="2"/>
-            <a:r>
-              <a:rPr lang="en-US" sz="1800" dirty="0"/>
-              <a:t>easy, medium, hard</a:t>
-            </a:r>
-          </a:p>
-          <a:p>
-            <a:pPr lvl="1"/>
-            <a:r>
-              <a:rPr lang="en-US" sz="1800" dirty="0"/>
-              <a:t>A Topic</a:t>
-            </a:r>
+            <a:endParaRPr lang="en-GB" sz="1600" dirty="0"/>
           </a:p>
           <a:p>
             <a:pPr lvl="2"/>
-            <a:r>
-              <a:rPr lang="en-US" sz="1800" dirty="0"/>
-              <a:t>history, geography, literature, et cetera</a:t>
-            </a:r>
-          </a:p>
-          <a:p>
-            <a:pPr lvl="1"/>
-            <a:endParaRPr lang="en-US" sz="1800" dirty="0"/>
+            <a:endParaRPr lang="en-GB" sz="1600" dirty="0"/>
           </a:p>
         </p:txBody>
       </p:sp>
     </p:spTree>
     <p:extLst>
       <p:ext uri="{BB962C8B-B14F-4D97-AF65-F5344CB8AC3E}">
-        <p14:creationId xmlns:p14="http://schemas.microsoft.com/office/powerpoint/2010/main" val="1228277512"/>
+        <p14:creationId xmlns:p14="http://schemas.microsoft.com/office/powerpoint/2010/main" val="3687132527"/>
       </p:ext>
     </p:extLst>
   </p:cSld>
@@ -7399,7 +7415,7 @@
 </p:sld>
 </file>
 
-<file path=ppt/slides/slide3.xml><?xml version="1.0" encoding="utf-8"?>
+<file path=ppt/slides/slide2.xml><?xml version="1.0" encoding="utf-8"?>
 <p:sld xmlns:a="http://schemas.openxmlformats.org/drawingml/2006/main" xmlns:r="http://schemas.openxmlformats.org/officeDocument/2006/relationships" xmlns:p="http://schemas.openxmlformats.org/presentationml/2006/main">
   <p:cSld>
     <p:bg>
@@ -8196,80 +8212,72 @@
           <a:lstStyle/>
           <a:p>
             <a:r>
-              <a:rPr lang="en-GB" sz="1800" dirty="0"/>
-              <a:t>MVP – Functionality:</a:t>
-            </a:r>
-          </a:p>
-          <a:p>
-            <a:endParaRPr lang="en-GB" sz="1800" dirty="0"/>
+              <a:rPr lang="en-US" sz="1800" dirty="0"/>
+              <a:t>MVP - Questions:</a:t>
+            </a:r>
+          </a:p>
+          <a:p>
+            <a:pPr marL="0"/>
+            <a:endParaRPr lang="en-US" sz="1800" dirty="0"/>
           </a:p>
           <a:p>
             <a:pPr lvl="1"/>
             <a:r>
-              <a:rPr lang="en-GB" sz="1800" dirty="0"/>
-              <a:t>Manipulate questions and answers in the archive.</a:t>
+              <a:rPr lang="en-US" sz="1800" dirty="0"/>
+              <a:t>Question</a:t>
+            </a:r>
+          </a:p>
+          <a:p>
+            <a:pPr lvl="1"/>
+            <a:r>
+              <a:rPr lang="en-US" sz="1800" dirty="0"/>
+              <a:t>Correct Answer</a:t>
+            </a:r>
+          </a:p>
+          <a:p>
+            <a:pPr lvl="1"/>
+            <a:r>
+              <a:rPr lang="en-US" sz="1800" dirty="0"/>
+              <a:t>Incorrect Answers</a:t>
             </a:r>
           </a:p>
           <a:p>
             <a:pPr lvl="2"/>
             <a:r>
-              <a:rPr lang="en-GB" sz="1800" dirty="0"/>
-              <a:t>e.g. </a:t>
-            </a:r>
-          </a:p>
-          <a:p>
-            <a:pPr lvl="3"/>
-            <a:r>
-              <a:rPr lang="en-GB" sz="1600" dirty="0"/>
-              <a:t>Change question it to make it easier or harder.</a:t>
-            </a:r>
-          </a:p>
-          <a:p>
-            <a:pPr lvl="4"/>
-            <a:r>
-              <a:rPr lang="en-GB" sz="1600" dirty="0"/>
-              <a:t>Change the difficulty level of the question or the question topic.</a:t>
-            </a:r>
-          </a:p>
-          <a:p>
-            <a:pPr lvl="3"/>
-            <a:r>
-              <a:rPr lang="en-GB" sz="1600" dirty="0"/>
-              <a:t>Update the answers to existing questions if needed.</a:t>
-            </a:r>
-          </a:p>
-          <a:p>
-            <a:pPr lvl="4"/>
-            <a:r>
-              <a:rPr lang="en-GB" sz="1600" dirty="0"/>
-              <a:t>If world records are broken or if there is a new champion of a sport.</a:t>
-            </a:r>
-          </a:p>
-          <a:p>
-            <a:pPr marL="1371600" lvl="3" indent="0">
-              <a:buNone/>
-            </a:pPr>
-            <a:endParaRPr lang="en-GB" sz="1600" dirty="0"/>
+              <a:rPr lang="en-US" sz="1800" dirty="0"/>
+              <a:t>There should be three. So so that each question is multiple choice.</a:t>
+            </a:r>
+          </a:p>
+          <a:p>
+            <a:pPr marL="914400" lvl="2"/>
+            <a:endParaRPr lang="en-US" sz="1800" dirty="0"/>
           </a:p>
           <a:p>
             <a:pPr lvl="1"/>
             <a:r>
-              <a:rPr lang="en-GB" sz="1800" dirty="0"/>
-              <a:t>Add new topics.</a:t>
+              <a:rPr lang="en-US" sz="1800" dirty="0"/>
+              <a:t>A difficulty level</a:t>
+            </a:r>
+          </a:p>
+          <a:p>
+            <a:pPr lvl="2"/>
+            <a:r>
+              <a:rPr lang="en-US" sz="1800" dirty="0"/>
+              <a:t>easy, medium, hard</a:t>
             </a:r>
           </a:p>
           <a:p>
             <a:pPr lvl="1"/>
             <a:r>
-              <a:rPr lang="en-GB" sz="1800" dirty="0"/>
-              <a:t>Remove questions, answers or topics.</a:t>
-            </a:r>
-          </a:p>
-          <a:p>
-            <a:pPr lvl="1"/>
-            <a:r>
-              <a:rPr lang="en-GB" sz="1800" dirty="0"/>
-              <a:t>Create individual quizzes.</a:t>
+              <a:rPr lang="en-US" sz="1800" dirty="0"/>
+              <a:t>A Topic</a:t>
+            </a:r>
+          </a:p>
+          <a:p>
+            <a:pPr lvl="2"/>
+            <a:r>
+              <a:rPr lang="en-US" sz="1800" dirty="0"/>
+              <a:t>history, geography, literature, et cetera</a:t>
             </a:r>
           </a:p>
           <a:p>
@@ -8281,7 +8289,7 @@
     </p:spTree>
     <p:extLst>
       <p:ext uri="{BB962C8B-B14F-4D97-AF65-F5344CB8AC3E}">
-        <p14:creationId xmlns:p14="http://schemas.microsoft.com/office/powerpoint/2010/main" val="3232608333"/>
+        <p14:creationId xmlns:p14="http://schemas.microsoft.com/office/powerpoint/2010/main" val="1228277512"/>
       </p:ext>
     </p:extLst>
   </p:cSld>
@@ -8291,7 +8299,7 @@
 </p:sld>
 </file>
 
-<file path=ppt/slides/slide4.xml><?xml version="1.0" encoding="utf-8"?>
+<file path=ppt/slides/slide3.xml><?xml version="1.0" encoding="utf-8"?>
 <p:sld xmlns:a="http://schemas.openxmlformats.org/drawingml/2006/main" xmlns:r="http://schemas.openxmlformats.org/officeDocument/2006/relationships" xmlns:p="http://schemas.openxmlformats.org/presentationml/2006/main">
   <p:cSld>
     <p:bg>
@@ -8437,7 +8445,7 @@
           <a:p>
             <a:r>
               <a:rPr lang="en-US" sz="4000" u="sng" cap="none" dirty="0"/>
-              <a:t>An Original Brief - Extensions</a:t>
+              <a:t>An Original Brief - MVP</a:t>
             </a:r>
           </a:p>
         </p:txBody>
@@ -9089,94 +9097,88 @@
           <a:p>
             <a:r>
               <a:rPr lang="en-GB" sz="1800" dirty="0"/>
-              <a:t>Extensions:</a:t>
-            </a:r>
+              <a:t>MVP – Functionality:</a:t>
+            </a:r>
+          </a:p>
+          <a:p>
+            <a:endParaRPr lang="en-GB" sz="1800" dirty="0"/>
           </a:p>
           <a:p>
             <a:pPr lvl="1"/>
             <a:r>
+              <a:rPr lang="en-GB" sz="1800" dirty="0"/>
+              <a:t>Manipulate questions and answers in the archive.</a:t>
+            </a:r>
+          </a:p>
+          <a:p>
+            <a:pPr lvl="2"/>
+            <a:r>
+              <a:rPr lang="en-GB" sz="1800" dirty="0"/>
+              <a:t>e.g. </a:t>
+            </a:r>
+          </a:p>
+          <a:p>
+            <a:pPr lvl="3"/>
+            <a:r>
               <a:rPr lang="en-GB" sz="1600" dirty="0"/>
-              <a:t>Filter the question list.</a:t>
-            </a:r>
-          </a:p>
-          <a:p>
-            <a:pPr lvl="2"/>
-            <a:r>
-              <a:rPr lang="en-GB" sz="1200" dirty="0"/>
-              <a:t>By topic or by difficulty.</a:t>
-            </a:r>
+              <a:t>Change question it to make it easier or harder.</a:t>
+            </a:r>
+          </a:p>
+          <a:p>
+            <a:pPr lvl="4"/>
+            <a:r>
+              <a:rPr lang="en-GB" sz="1600" dirty="0"/>
+              <a:t>Change the difficulty level of the question or the question topic.</a:t>
+            </a:r>
+          </a:p>
+          <a:p>
+            <a:pPr lvl="3"/>
+            <a:r>
+              <a:rPr lang="en-GB" sz="1600" dirty="0"/>
+              <a:t>Update the answers to existing questions if needed.</a:t>
+            </a:r>
+          </a:p>
+          <a:p>
+            <a:pPr lvl="4"/>
+            <a:r>
+              <a:rPr lang="en-GB" sz="1600" dirty="0"/>
+              <a:t>If world records are broken or if there is a new champion of a sport.</a:t>
+            </a:r>
+          </a:p>
+          <a:p>
+            <a:pPr marL="1371600" lvl="3" indent="0">
+              <a:buNone/>
+            </a:pPr>
+            <a:endParaRPr lang="en-GB" sz="1600" dirty="0"/>
           </a:p>
           <a:p>
             <a:pPr lvl="1"/>
             <a:r>
-              <a:rPr lang="en-GB" sz="1600" dirty="0"/>
-              <a:t>Allow questions to have more than one topic.</a:t>
-            </a:r>
-          </a:p>
-          <a:p>
-            <a:pPr lvl="2"/>
-            <a:r>
-              <a:rPr lang="en-GB" sz="1200" dirty="0"/>
-              <a:t>So that the quizmaster can create their own “playlists”.</a:t>
+              <a:rPr lang="en-GB" sz="1800" dirty="0"/>
+              <a:t>Add new topics.</a:t>
             </a:r>
           </a:p>
           <a:p>
             <a:pPr lvl="1"/>
-            <a:r>
-              <a:rPr lang="en-GB" sz="1600" dirty="0"/>
-              <a:t>Generate a random quiz of N questions from the question archive.</a:t>
-            </a:r>
-          </a:p>
-          <a:p>
-            <a:pPr lvl="2"/>
-            <a:r>
-              <a:rPr lang="en-GB" sz="1200" dirty="0"/>
-              <a:t>A quick-quiz function.</a:t>
-            </a:r>
-          </a:p>
-          <a:p>
-            <a:endParaRPr lang="en-GB" sz="2000" dirty="0"/>
-          </a:p>
-          <a:p>
-            <a:r>
-              <a:rPr lang="en-GB" sz="1800" dirty="0"/>
-              <a:t>Advanced Extensions:</a:t>
-            </a:r>
+            <a:endParaRPr lang="en-GB" sz="1800" b="1" u="sng" dirty="0"/>
           </a:p>
           <a:p>
             <a:pPr lvl="1"/>
             <a:r>
-              <a:rPr lang="en-GB" sz="1600" dirty="0"/>
-              <a:t>Highlight if the question has been used already in a quiz.</a:t>
-            </a:r>
-          </a:p>
-          <a:p>
-            <a:pPr lvl="2"/>
-            <a:r>
-              <a:rPr lang="en-GB" sz="1200" dirty="0"/>
-              <a:t>When this was and/or how many quizzes the question has been used in.</a:t>
+              <a:rPr lang="en-GB" sz="1800" b="1" u="sng" dirty="0"/>
+              <a:t>Create individual quizzes.</a:t>
             </a:r>
           </a:p>
           <a:p>
             <a:pPr lvl="1"/>
-            <a:r>
-              <a:rPr lang="en-GB" sz="1600" dirty="0"/>
-              <a:t>Selectable filter for exclusion of questions which have already been used.</a:t>
-            </a:r>
-          </a:p>
-          <a:p>
-            <a:pPr lvl="1"/>
-            <a:r>
-              <a:rPr lang="en-GB" sz="1600" dirty="0"/>
-              <a:t>Add True/False questions to the database as their own question type with parallel functionality.</a:t>
-            </a:r>
+            <a:endParaRPr lang="en-US" sz="1800" dirty="0"/>
           </a:p>
         </p:txBody>
       </p:sp>
     </p:spTree>
     <p:extLst>
       <p:ext uri="{BB962C8B-B14F-4D97-AF65-F5344CB8AC3E}">
-        <p14:creationId xmlns:p14="http://schemas.microsoft.com/office/powerpoint/2010/main" val="4191208889"/>
+        <p14:creationId xmlns:p14="http://schemas.microsoft.com/office/powerpoint/2010/main" val="3232608333"/>
       </p:ext>
     </p:extLst>
   </p:cSld>
@@ -9186,7 +9188,7 @@
 </p:sld>
 </file>
 
-<file path=ppt/slides/slide5.xml><?xml version="1.0" encoding="utf-8"?>
+<file path=ppt/slides/slide4.xml><?xml version="1.0" encoding="utf-8"?>
 <p:sld xmlns:a="http://schemas.openxmlformats.org/drawingml/2006/main" xmlns:r="http://schemas.openxmlformats.org/officeDocument/2006/relationships" xmlns:p="http://schemas.openxmlformats.org/presentationml/2006/main">
   <p:cSld>
     <p:bg>
@@ -9332,7 +9334,7 @@
           <a:p>
             <a:r>
               <a:rPr lang="en-US" sz="4000" u="sng" cap="none" dirty="0"/>
-              <a:t>Planning The Project</a:t>
+              <a:t>An Original Brief - Extensions</a:t>
             </a:r>
           </a:p>
         </p:txBody>
@@ -9984,52 +9986,86 @@
           <a:p>
             <a:r>
               <a:rPr lang="en-GB" sz="1800" dirty="0"/>
-              <a:t>Proto-Persona:</a:t>
-            </a:r>
-          </a:p>
-          <a:p>
-            <a:pPr marL="0" indent="0">
-              <a:buNone/>
-            </a:pPr>
-            <a:endParaRPr lang="en-GB" sz="1800" dirty="0"/>
+              <a:t>Extensions:</a:t>
+            </a:r>
           </a:p>
           <a:p>
             <a:pPr lvl="1"/>
             <a:r>
+              <a:rPr lang="en-GB" sz="1600" dirty="0"/>
+              <a:t>Filter the question list.</a:t>
+            </a:r>
+          </a:p>
+          <a:p>
+            <a:pPr lvl="2"/>
+            <a:r>
+              <a:rPr lang="en-GB" sz="1200" dirty="0"/>
+              <a:t>By topic or by difficulty.</a:t>
+            </a:r>
+          </a:p>
+          <a:p>
+            <a:pPr lvl="1"/>
+            <a:r>
+              <a:rPr lang="en-GB" sz="1600" dirty="0"/>
+              <a:t>Allow questions to have more than one topic.</a:t>
+            </a:r>
+          </a:p>
+          <a:p>
+            <a:pPr lvl="2"/>
+            <a:r>
+              <a:rPr lang="en-GB" sz="1200" dirty="0"/>
+              <a:t>So that the quizmaster can create their own “playlists”.</a:t>
+            </a:r>
+          </a:p>
+          <a:p>
+            <a:pPr lvl="1"/>
+            <a:r>
+              <a:rPr lang="en-GB" sz="1600" dirty="0"/>
+              <a:t>Generate a random quiz of N questions from the question archive.</a:t>
+            </a:r>
+          </a:p>
+          <a:p>
+            <a:pPr lvl="2"/>
+            <a:r>
+              <a:rPr lang="en-GB" sz="1200" dirty="0"/>
+              <a:t>A quick-quiz function.</a:t>
+            </a:r>
+          </a:p>
+          <a:p>
+            <a:endParaRPr lang="en-GB" sz="2000" dirty="0"/>
+          </a:p>
+          <a:p>
+            <a:r>
               <a:rPr lang="en-GB" sz="1800" dirty="0"/>
-              <a:t>Pub Landlord.</a:t>
+              <a:t>Advanced Extensions:</a:t>
+            </a:r>
+          </a:p>
+          <a:p>
+            <a:pPr lvl="1"/>
+            <a:r>
+              <a:rPr lang="en-GB" sz="1600" dirty="0"/>
+              <a:t>Highlight if the question has been used already in a quiz.</a:t>
             </a:r>
           </a:p>
           <a:p>
             <a:pPr lvl="2"/>
             <a:r>
+              <a:rPr lang="en-GB" sz="1200" dirty="0"/>
+              <a:t>When this was and/or how many quizzes the question has been used in.</a:t>
+            </a:r>
+          </a:p>
+          <a:p>
+            <a:pPr lvl="1"/>
+            <a:r>
               <a:rPr lang="en-GB" sz="1600" dirty="0"/>
-              <a:t>Needs something that works easily.</a:t>
-            </a:r>
-          </a:p>
-          <a:p>
-            <a:pPr lvl="2"/>
+              <a:t>Selectable filter for exclusion of questions which have already been used.</a:t>
+            </a:r>
+          </a:p>
+          <a:p>
+            <a:pPr lvl="1"/>
             <a:r>
               <a:rPr lang="en-GB" sz="1600" dirty="0"/>
-              <a:t>Needs something that works reliably.</a:t>
-            </a:r>
-          </a:p>
-          <a:p>
-            <a:pPr lvl="1"/>
-            <a:endParaRPr lang="en-GB" sz="1600" dirty="0"/>
-          </a:p>
-          <a:p>
-            <a:pPr lvl="1"/>
-            <a:r>
-              <a:rPr lang="en-GB" sz="1600" dirty="0"/>
-              <a:t>This part was hard.</a:t>
-            </a:r>
-          </a:p>
-          <a:p>
-            <a:pPr lvl="2"/>
-            <a:r>
-              <a:rPr lang="en-GB" sz="1600" dirty="0"/>
-              <a:t>Why?</a:t>
+              <a:t>Add True/False questions to the database as their own question type with parallel functionality.</a:t>
             </a:r>
           </a:p>
         </p:txBody>
@@ -10037,7 +10073,7 @@
     </p:spTree>
     <p:extLst>
       <p:ext uri="{BB962C8B-B14F-4D97-AF65-F5344CB8AC3E}">
-        <p14:creationId xmlns:p14="http://schemas.microsoft.com/office/powerpoint/2010/main" val="146503386"/>
+        <p14:creationId xmlns:p14="http://schemas.microsoft.com/office/powerpoint/2010/main" val="4191208889"/>
       </p:ext>
     </p:extLst>
   </p:cSld>
@@ -10047,7 +10083,7 @@
 </p:sld>
 </file>
 
-<file path=ppt/slides/slide6.xml><?xml version="1.0" encoding="utf-8"?>
+<file path=ppt/slides/slide5.xml><?xml version="1.0" encoding="utf-8"?>
 <p:sld xmlns:a="http://schemas.openxmlformats.org/drawingml/2006/main" xmlns:r="http://schemas.openxmlformats.org/officeDocument/2006/relationships" xmlns:p="http://schemas.openxmlformats.org/presentationml/2006/main">
   <p:cSld>
     <p:bg>
@@ -10845,7 +10881,7 @@
           <a:p>
             <a:r>
               <a:rPr lang="en-GB" sz="1800" dirty="0"/>
-              <a:t>The App:</a:t>
+              <a:t>Proto-Persona:</a:t>
             </a:r>
           </a:p>
           <a:p>
@@ -10857,43 +10893,22 @@
           <a:p>
             <a:pPr lvl="1"/>
             <a:r>
-              <a:rPr lang="en-GB" sz="1800" dirty="0" err="1"/>
-              <a:t>Filestructure</a:t>
-            </a:r>
-            <a:r>
               <a:rPr lang="en-GB" sz="1800" dirty="0"/>
-              <a:t>:</a:t>
+              <a:t>Pub Landlord.</a:t>
             </a:r>
           </a:p>
           <a:p>
             <a:pPr lvl="2"/>
             <a:r>
               <a:rPr lang="en-GB" sz="1600" dirty="0"/>
-              <a:t>Boilerplate code.</a:t>
-            </a:r>
-          </a:p>
-          <a:p>
-            <a:pPr marL="457200" lvl="1" indent="0">
-              <a:buNone/>
-            </a:pPr>
-            <a:endParaRPr lang="en-GB" sz="1600" dirty="0"/>
-          </a:p>
-          <a:p>
-            <a:pPr lvl="1"/>
-            <a:r>
-              <a:rPr lang="en-GB" sz="1600" dirty="0" err="1"/>
-              <a:t>Datastructure</a:t>
-            </a:r>
+              <a:t>Needs something that works easily.</a:t>
+            </a:r>
+          </a:p>
+          <a:p>
+            <a:pPr lvl="2"/>
             <a:r>
               <a:rPr lang="en-GB" sz="1600" dirty="0"/>
-              <a:t>:</a:t>
-            </a:r>
-          </a:p>
-          <a:p>
-            <a:pPr lvl="2"/>
-            <a:r>
-              <a:rPr lang="en-GB" sz="1600" dirty="0"/>
-              <a:t>Relationship tree.</a:t>
+              <a:t>Needs something that works reliably.</a:t>
             </a:r>
           </a:p>
           <a:p>
@@ -10903,15 +10918,15 @@
           <a:p>
             <a:pPr lvl="1"/>
             <a:r>
+              <a:rPr lang="en-GB" sz="1800" dirty="0"/>
+              <a:t>This part was hard.</a:t>
+            </a:r>
+          </a:p>
+          <a:p>
+            <a:pPr lvl="2"/>
+            <a:r>
               <a:rPr lang="en-GB" sz="1600" dirty="0"/>
-              <a:t>Graph Paper:</a:t>
-            </a:r>
-          </a:p>
-          <a:p>
-            <a:pPr lvl="2"/>
-            <a:r>
-              <a:rPr lang="en-GB" sz="1600" dirty="0"/>
-              <a:t>Useful?</a:t>
+              <a:t>Why?</a:t>
             </a:r>
           </a:p>
           <a:p>
@@ -10919,15 +10934,25 @@
             <a:endParaRPr lang="en-GB" sz="1600" dirty="0"/>
           </a:p>
           <a:p>
+            <a:pPr lvl="1"/>
+            <a:r>
+              <a:rPr lang="en-GB" sz="1800" dirty="0"/>
+              <a:t>Trello?</a:t>
+            </a:r>
+          </a:p>
+          <a:p>
             <a:pPr lvl="2"/>
-            <a:endParaRPr lang="en-GB" sz="1600" dirty="0"/>
+            <a:r>
+              <a:rPr lang="en-GB" sz="1600" dirty="0"/>
+              <a:t>Paper!</a:t>
+            </a:r>
           </a:p>
         </p:txBody>
       </p:sp>
     </p:spTree>
     <p:extLst>
       <p:ext uri="{BB962C8B-B14F-4D97-AF65-F5344CB8AC3E}">
-        <p14:creationId xmlns:p14="http://schemas.microsoft.com/office/powerpoint/2010/main" val="1221011542"/>
+        <p14:creationId xmlns:p14="http://schemas.microsoft.com/office/powerpoint/2010/main" val="146503386"/>
       </p:ext>
     </p:extLst>
   </p:cSld>
@@ -10937,7 +10962,7 @@
 </p:sld>
 </file>
 
-<file path=ppt/slides/slide7.xml><?xml version="1.0" encoding="utf-8"?>
+<file path=ppt/slides/slide6.xml><?xml version="1.0" encoding="utf-8"?>
 <p:sld xmlns:a="http://schemas.openxmlformats.org/drawingml/2006/main" xmlns:r="http://schemas.openxmlformats.org/officeDocument/2006/relationships" xmlns:p="http://schemas.openxmlformats.org/presentationml/2006/main">
   <p:cSld>
     <p:bg>
@@ -11083,7 +11108,7 @@
           <a:p>
             <a:r>
               <a:rPr lang="en-US" sz="4000" u="sng" cap="none" dirty="0"/>
-              <a:t>Coding</a:t>
+              <a:t>Planning The Project</a:t>
             </a:r>
           </a:p>
         </p:txBody>
@@ -11735,36 +11760,7 @@
           <a:p>
             <a:r>
               <a:rPr lang="en-GB" sz="1800" dirty="0"/>
-              <a:t>Weekend work:</a:t>
-            </a:r>
-          </a:p>
-          <a:p>
-            <a:pPr lvl="1"/>
-            <a:r>
-              <a:rPr lang="en-GB" sz="1600" dirty="0"/>
-              <a:t>Largely Boilerplate and </a:t>
-            </a:r>
-            <a:r>
-              <a:rPr lang="en-GB" sz="1600" dirty="0" err="1"/>
-              <a:t>Copypasta</a:t>
-            </a:r>
-            <a:r>
-              <a:rPr lang="en-GB" sz="1600" dirty="0"/>
-              <a:t>.</a:t>
-            </a:r>
-          </a:p>
-          <a:p>
-            <a:pPr lvl="2"/>
-            <a:r>
-              <a:rPr lang="en-GB" sz="1600" dirty="0"/>
-              <a:t>Transliterating code from labs.</a:t>
-            </a:r>
-          </a:p>
-          <a:p>
-            <a:pPr lvl="3"/>
-            <a:r>
-              <a:rPr lang="en-GB" sz="1600" dirty="0"/>
-              <a:t>No meaningful processing.</a:t>
+              <a:t>The App:</a:t>
             </a:r>
           </a:p>
           <a:p>
@@ -11776,48 +11772,62 @@
           <a:p>
             <a:pPr lvl="1"/>
             <a:r>
+              <a:rPr lang="en-GB" sz="1800" dirty="0" err="1"/>
+              <a:t>Filestructure</a:t>
+            </a:r>
+            <a:r>
               <a:rPr lang="en-GB" sz="1800" dirty="0"/>
-              <a:t>Monday afternoon:</a:t>
+              <a:t>:</a:t>
+            </a:r>
+          </a:p>
+          <a:p>
+            <a:pPr lvl="2"/>
+            <a:r>
+              <a:rPr lang="en-GB" sz="1600" dirty="0"/>
+              <a:t>Boilerplate code.</a:t>
             </a:r>
           </a:p>
           <a:p>
             <a:pPr marL="457200" lvl="1" indent="0">
               <a:buNone/>
             </a:pPr>
-            <a:endParaRPr lang="en-GB" sz="1800" dirty="0"/>
+            <a:endParaRPr lang="en-GB" sz="1600" dirty="0"/>
+          </a:p>
+          <a:p>
+            <a:pPr lvl="1"/>
+            <a:r>
+              <a:rPr lang="en-GB" sz="1600" dirty="0" err="1"/>
+              <a:t>Datastructure</a:t>
+            </a:r>
+            <a:r>
+              <a:rPr lang="en-GB" sz="1600" dirty="0"/>
+              <a:t>:</a:t>
+            </a:r>
           </a:p>
           <a:p>
             <a:pPr lvl="2"/>
             <a:r>
               <a:rPr lang="en-GB" sz="1600" dirty="0"/>
-              <a:t>Stop parallel working.</a:t>
+              <a:t>Relationship tree.</a:t>
+            </a:r>
+          </a:p>
+          <a:p>
+            <a:pPr lvl="1"/>
+            <a:endParaRPr lang="en-GB" sz="1600" dirty="0"/>
+          </a:p>
+          <a:p>
+            <a:pPr lvl="1"/>
+            <a:r>
+              <a:rPr lang="en-GB" sz="1600" dirty="0"/>
+              <a:t>Graph Paper:</a:t>
             </a:r>
           </a:p>
           <a:p>
             <a:pPr lvl="2"/>
-            <a:endParaRPr lang="en-GB" sz="1600" dirty="0"/>
-          </a:p>
-          <a:p>
-            <a:pPr lvl="2"/>
             <a:r>
               <a:rPr lang="en-GB" sz="1600" dirty="0"/>
-              <a:t>One problem/fault/issue at a time.</a:t>
-            </a:r>
-          </a:p>
-          <a:p>
-            <a:pPr lvl="2"/>
-            <a:endParaRPr lang="en-GB" sz="1600" dirty="0"/>
-          </a:p>
-          <a:p>
-            <a:pPr lvl="2"/>
-            <a:r>
-              <a:rPr lang="en-GB" sz="1600" dirty="0"/>
-              <a:t>Complete features before starting new ones.</a:t>
-            </a:r>
-          </a:p>
-          <a:p>
-            <a:pPr lvl="2"/>
-            <a:endParaRPr lang="en-GB" sz="1600" dirty="0"/>
+              <a:t>Useful?</a:t>
+            </a:r>
           </a:p>
           <a:p>
             <a:pPr lvl="2"/>
@@ -11832,7 +11842,7 @@
     </p:spTree>
     <p:extLst>
       <p:ext uri="{BB962C8B-B14F-4D97-AF65-F5344CB8AC3E}">
-        <p14:creationId xmlns:p14="http://schemas.microsoft.com/office/powerpoint/2010/main" val="3304548791"/>
+        <p14:creationId xmlns:p14="http://schemas.microsoft.com/office/powerpoint/2010/main" val="1221011542"/>
       </p:ext>
     </p:extLst>
   </p:cSld>
@@ -11842,7 +11852,7 @@
 </p:sld>
 </file>
 
-<file path=ppt/slides/slide8.xml><?xml version="1.0" encoding="utf-8"?>
+<file path=ppt/slides/slide7.xml><?xml version="1.0" encoding="utf-8"?>
 <p:sld xmlns:a="http://schemas.openxmlformats.org/drawingml/2006/main" xmlns:r="http://schemas.openxmlformats.org/officeDocument/2006/relationships" xmlns:p="http://schemas.openxmlformats.org/presentationml/2006/main">
   <p:cSld>
     <p:bg>
@@ -12640,7 +12650,43 @@
           <a:p>
             <a:r>
               <a:rPr lang="en-GB" sz="1800" dirty="0"/>
-              <a:t>Tuesday Morning:</a:t>
+              <a:t>Weekend work:</a:t>
+            </a:r>
+          </a:p>
+          <a:p>
+            <a:pPr lvl="1"/>
+            <a:r>
+              <a:rPr lang="en-GB" sz="1600" dirty="0"/>
+              <a:t>Largely Boilerplate and </a:t>
+            </a:r>
+            <a:r>
+              <a:rPr lang="en-GB" sz="1600" dirty="0" err="1"/>
+              <a:t>Copypasta</a:t>
+            </a:r>
+            <a:r>
+              <a:rPr lang="en-GB" sz="1600" dirty="0"/>
+              <a:t>.</a:t>
+            </a:r>
+          </a:p>
+          <a:p>
+            <a:pPr lvl="2"/>
+            <a:r>
+              <a:rPr lang="en-GB" sz="1600" dirty="0"/>
+              <a:t>Transliterating code from labs.</a:t>
+            </a:r>
+          </a:p>
+          <a:p>
+            <a:pPr lvl="3"/>
+            <a:r>
+              <a:rPr lang="en-GB" sz="1600" dirty="0"/>
+              <a:t>No meaningful processing.</a:t>
+            </a:r>
+          </a:p>
+          <a:p>
+            <a:pPr lvl="3"/>
+            <a:r>
+              <a:rPr lang="en-GB" sz="1600" dirty="0"/>
+              <a:t>Available time spent poorly.</a:t>
             </a:r>
           </a:p>
           <a:p>
@@ -12652,59 +12698,43 @@
           <a:p>
             <a:pPr lvl="1"/>
             <a:r>
-              <a:rPr lang="en-GB" sz="1600" dirty="0"/>
-              <a:t>Heavy Focus on Question Database CRUD.</a:t>
-            </a:r>
-          </a:p>
-          <a:p>
-            <a:pPr lvl="2"/>
-            <a:r>
-              <a:rPr lang="en-GB" sz="1600" dirty="0"/>
-              <a:t>Multiple hours spent on solving single bugs.</a:t>
-            </a:r>
-          </a:p>
-          <a:p>
-            <a:pPr lvl="2"/>
-            <a:endParaRPr lang="en-GB" sz="1600" dirty="0"/>
-          </a:p>
-          <a:p>
-            <a:pPr lvl="2"/>
-            <a:r>
-              <a:rPr lang="en-GB" sz="1600" dirty="0"/>
-              <a:t>Solutions were all infuriatingly simple.</a:t>
-            </a:r>
-          </a:p>
-          <a:p>
-            <a:pPr marL="914400" lvl="2" indent="0">
+              <a:rPr lang="en-GB" sz="1800" dirty="0"/>
+              <a:t>Monday realisations:</a:t>
+            </a:r>
+          </a:p>
+          <a:p>
+            <a:pPr marL="457200" lvl="1" indent="0">
               <a:buNone/>
             </a:pPr>
             <a:endParaRPr lang="en-GB" sz="1800" dirty="0"/>
           </a:p>
           <a:p>
-            <a:pPr lvl="1"/>
-            <a:r>
-              <a:rPr lang="en-GB" sz="1800" dirty="0"/>
-              <a:t>Tuesday afternoon:</a:t>
-            </a:r>
-          </a:p>
-          <a:p>
-            <a:pPr marL="914400" lvl="2" indent="0">
-              <a:buNone/>
-            </a:pPr>
+            <a:pPr lvl="2"/>
+            <a:r>
+              <a:rPr lang="en-GB" sz="1600" dirty="0"/>
+              <a:t>Stop parallel working.</a:t>
+            </a:r>
+          </a:p>
+          <a:p>
+            <a:pPr lvl="2"/>
             <a:endParaRPr lang="en-GB" sz="1600" dirty="0"/>
           </a:p>
           <a:p>
             <a:pPr lvl="2"/>
             <a:r>
               <a:rPr lang="en-GB" sz="1600" dirty="0"/>
-              <a:t>Heavy focus on mirroring Question CRUD</a:t>
-            </a:r>
-          </a:p>
-          <a:p>
-            <a:pPr lvl="3"/>
-            <a:r>
-              <a:rPr lang="en-GB" sz="1400" dirty="0"/>
-              <a:t>Achieved for difficulties and topics.</a:t>
+              <a:t>One problem/fault/issue at a time.</a:t>
+            </a:r>
+          </a:p>
+          <a:p>
+            <a:pPr lvl="2"/>
+            <a:endParaRPr lang="en-GB" sz="1600" dirty="0"/>
+          </a:p>
+          <a:p>
+            <a:pPr lvl="2"/>
+            <a:r>
+              <a:rPr lang="en-GB" sz="1600" dirty="0"/>
+              <a:t>Complete functions / features before starting new ones.</a:t>
             </a:r>
           </a:p>
           <a:p>
@@ -12724,7 +12754,7 @@
     </p:spTree>
     <p:extLst>
       <p:ext uri="{BB962C8B-B14F-4D97-AF65-F5344CB8AC3E}">
-        <p14:creationId xmlns:p14="http://schemas.microsoft.com/office/powerpoint/2010/main" val="3191196991"/>
+        <p14:creationId xmlns:p14="http://schemas.microsoft.com/office/powerpoint/2010/main" val="3304548791"/>
       </p:ext>
     </p:extLst>
   </p:cSld>
@@ -12734,7 +12764,7 @@
 </p:sld>
 </file>
 
-<file path=ppt/slides/slide9.xml><?xml version="1.0" encoding="utf-8"?>
+<file path=ppt/slides/slide8.xml><?xml version="1.0" encoding="utf-8"?>
 <p:sld xmlns:a="http://schemas.openxmlformats.org/drawingml/2006/main" xmlns:r="http://schemas.openxmlformats.org/officeDocument/2006/relationships" xmlns:p="http://schemas.openxmlformats.org/presentationml/2006/main">
   <p:cSld>
     <p:bg>
@@ -13532,7 +13562,7 @@
           <a:p>
             <a:r>
               <a:rPr lang="en-GB" sz="1800" dirty="0"/>
-              <a:t>Wednesday Morning:</a:t>
+              <a:t>Tuesday Morning:</a:t>
             </a:r>
           </a:p>
           <a:p>
@@ -13545,14 +13575,21 @@
             <a:pPr lvl="1"/>
             <a:r>
               <a:rPr lang="en-GB" sz="1600" dirty="0"/>
-              <a:t>Added in user topic functionality:</a:t>
+              <a:t>Heavy Focus on Question Database CRUD.</a:t>
             </a:r>
           </a:p>
           <a:p>
             <a:pPr lvl="2"/>
             <a:r>
               <a:rPr lang="en-GB" sz="1600" dirty="0"/>
-              <a:t>New Class, controller, repo and HTML.</a:t>
+              <a:t>Multiple hours spent on solving bugs.</a:t>
+            </a:r>
+          </a:p>
+          <a:p>
+            <a:pPr lvl="3"/>
+            <a:r>
+              <a:rPr lang="en-GB" sz="1400" dirty="0"/>
+              <a:t>Three bastards. Five hours.</a:t>
             </a:r>
           </a:p>
           <a:p>
@@ -13563,7 +13600,7 @@
             <a:pPr lvl="2"/>
             <a:r>
               <a:rPr lang="en-GB" sz="1600" dirty="0"/>
-              <a:t>This took less time than previous such work.</a:t>
+              <a:t>Solutions were all infuriatingly simple.</a:t>
             </a:r>
           </a:p>
           <a:p>
@@ -13573,50 +13610,946 @@
             <a:endParaRPr lang="en-GB" sz="1800" dirty="0"/>
           </a:p>
           <a:p>
+            <a:r>
+              <a:rPr lang="en-GB" sz="1800" dirty="0"/>
+              <a:t>Tuesday afternoon:</a:t>
+            </a:r>
+          </a:p>
+          <a:p>
+            <a:pPr marL="457200" lvl="1" indent="0">
+              <a:buNone/>
+            </a:pPr>
+            <a:endParaRPr lang="en-GB" sz="1800" dirty="0"/>
+          </a:p>
+          <a:p>
             <a:pPr lvl="1"/>
             <a:r>
+              <a:rPr lang="en-GB" sz="1600" dirty="0"/>
+              <a:t>Heavy focus on replicating Question CRUD</a:t>
+            </a:r>
+          </a:p>
+          <a:p>
+            <a:pPr marL="457200" lvl="1" indent="0">
+              <a:buNone/>
+            </a:pPr>
+            <a:endParaRPr lang="en-GB" sz="1600" dirty="0"/>
+          </a:p>
+          <a:p>
+            <a:pPr lvl="2"/>
+            <a:r>
+              <a:rPr lang="en-GB" sz="1600" dirty="0"/>
+              <a:t>Achieved for difficulties and topics.</a:t>
+            </a:r>
+          </a:p>
+          <a:p>
+            <a:pPr lvl="1"/>
+            <a:endParaRPr lang="en-GB" sz="1800" dirty="0"/>
+          </a:p>
+          <a:p>
+            <a:pPr lvl="1"/>
+            <a:endParaRPr lang="en-GB" sz="1800" dirty="0"/>
+          </a:p>
+          <a:p>
+            <a:pPr lvl="1"/>
+            <a:endParaRPr lang="en-GB" sz="1800" dirty="0"/>
+          </a:p>
+        </p:txBody>
+      </p:sp>
+    </p:spTree>
+    <p:extLst>
+      <p:ext uri="{BB962C8B-B14F-4D97-AF65-F5344CB8AC3E}">
+        <p14:creationId xmlns:p14="http://schemas.microsoft.com/office/powerpoint/2010/main" val="3191196991"/>
+      </p:ext>
+    </p:extLst>
+  </p:cSld>
+  <p:clrMapOvr>
+    <a:overrideClrMapping bg1="dk1" tx1="lt1" bg2="dk2" tx2="lt2" accent1="accent1" accent2="accent2" accent3="accent3" accent4="accent4" accent5="accent5" accent6="accent6" hlink="hlink" folHlink="folHlink"/>
+  </p:clrMapOvr>
+</p:sld>
+</file>
+
+<file path=ppt/slides/slide9.xml><?xml version="1.0" encoding="utf-8"?>
+<p:sld xmlns:a="http://schemas.openxmlformats.org/drawingml/2006/main" xmlns:r="http://schemas.openxmlformats.org/officeDocument/2006/relationships" xmlns:p="http://schemas.openxmlformats.org/presentationml/2006/main">
+  <p:cSld>
+    <p:bg>
+      <p:bgPr>
+        <a:solidFill>
+          <a:schemeClr val="bg1"/>
+        </a:solidFill>
+        <a:effectLst/>
+      </p:bgPr>
+    </p:bg>
+    <p:spTree>
+      <p:nvGrpSpPr>
+        <p:cNvPr id="1" name=""/>
+        <p:cNvGrpSpPr/>
+        <p:nvPr/>
+      </p:nvGrpSpPr>
+      <p:grpSpPr>
+        <a:xfrm>
+          <a:off x="0" y="0"/>
+          <a:ext cx="0" cy="0"/>
+          <a:chOff x="0" y="0"/>
+          <a:chExt cx="0" cy="0"/>
+        </a:xfrm>
+      </p:grpSpPr>
+      <p:sp useBgFill="1">
+        <p:nvSpPr>
+          <p:cNvPr id="21" name="Rectangle 20">
+            <a:extLst>
+              <a:ext uri="{FF2B5EF4-FFF2-40B4-BE49-F238E27FC236}">
+                <a16:creationId xmlns:a16="http://schemas.microsoft.com/office/drawing/2014/main" id="{28FF88A3-8EBC-4142-8CC2-EBE257ED6C90}"/>
+              </a:ext>
+              <a:ext uri="{C183D7F6-B498-43B3-948B-1728B52AA6E4}">
+                <adec:decorative xmlns:adec="http://schemas.microsoft.com/office/drawing/2017/decorative" val="1"/>
+              </a:ext>
+            </a:extLst>
+          </p:cNvPr>
+          <p:cNvSpPr>
+            <a:spLocks noGrp="1" noRot="1" noChangeAspect="1" noMove="1" noResize="1" noEditPoints="1" noAdjustHandles="1" noChangeArrowheads="1" noChangeShapeType="1" noTextEdit="1"/>
+          </p:cNvSpPr>
+          <p:nvPr>
+            <p:extLst>
+              <p:ext uri="{386F3935-93C4-4BCD-93E2-E3B085C9AB24}">
+                <p16:designElem xmlns:p16="http://schemas.microsoft.com/office/powerpoint/2015/main" val="1"/>
+              </p:ext>
+            </p:extLst>
+          </p:nvPr>
+        </p:nvSpPr>
+        <p:spPr>
+          <a:xfrm>
+            <a:off x="0" y="0"/>
+            <a:ext cx="12192000" cy="6858000"/>
+          </a:xfrm>
+          <a:prstGeom prst="rect">
+            <a:avLst/>
+          </a:prstGeom>
+          <a:ln>
+            <a:noFill/>
+          </a:ln>
+        </p:spPr>
+        <p:style>
+          <a:lnRef idx="2">
+            <a:schemeClr val="accent1">
+              <a:shade val="50000"/>
+            </a:schemeClr>
+          </a:lnRef>
+          <a:fillRef idx="1">
+            <a:schemeClr val="accent1"/>
+          </a:fillRef>
+          <a:effectRef idx="0">
+            <a:schemeClr val="accent1"/>
+          </a:effectRef>
+          <a:fontRef idx="minor">
+            <a:schemeClr val="lt1"/>
+          </a:fontRef>
+        </p:style>
+        <p:txBody>
+          <a:bodyPr rtlCol="0" anchor="ctr"/>
+          <a:lstStyle/>
+          <a:p>
+            <a:pPr algn="ctr"/>
+            <a:endParaRPr lang="en-US"/>
+          </a:p>
+        </p:txBody>
+      </p:sp>
+      <p:pic>
+        <p:nvPicPr>
+          <p:cNvPr id="5" name="Picture 4">
+            <a:extLst>
+              <a:ext uri="{FF2B5EF4-FFF2-40B4-BE49-F238E27FC236}">
+                <a16:creationId xmlns:a16="http://schemas.microsoft.com/office/drawing/2014/main" id="{16BCB25D-EB50-42D6-A0CD-F15561F229FF}"/>
+              </a:ext>
+            </a:extLst>
+          </p:cNvPr>
+          <p:cNvPicPr>
+            <a:picLocks noChangeAspect="1"/>
+          </p:cNvPicPr>
+          <p:nvPr/>
+        </p:nvPicPr>
+        <p:blipFill rotWithShape="1">
+          <a:blip r:embed="rId2">
+            <a:alphaModFix amt="40000"/>
+          </a:blip>
+          <a:srcRect t="7787"/>
+          <a:stretch/>
+        </p:blipFill>
+        <p:spPr>
+          <a:xfrm>
+            <a:off x="305" y="10"/>
+            <a:ext cx="12191695" cy="6857990"/>
+          </a:xfrm>
+          <a:prstGeom prst="rect">
+            <a:avLst/>
+          </a:prstGeom>
+        </p:spPr>
+      </p:pic>
+      <p:sp>
+        <p:nvSpPr>
+          <p:cNvPr id="2" name="Title 1">
+            <a:extLst>
+              <a:ext uri="{FF2B5EF4-FFF2-40B4-BE49-F238E27FC236}">
+                <a16:creationId xmlns:a16="http://schemas.microsoft.com/office/drawing/2014/main" id="{97038787-DEE0-094B-91D2-0AC23D426B66}"/>
+              </a:ext>
+            </a:extLst>
+          </p:cNvPr>
+          <p:cNvSpPr>
+            <a:spLocks noGrp="1"/>
+          </p:cNvSpPr>
+          <p:nvPr>
+            <p:ph type="title"/>
+          </p:nvPr>
+        </p:nvSpPr>
+        <p:spPr>
+          <a:xfrm>
+            <a:off x="2210936" y="844486"/>
+            <a:ext cx="9484225" cy="1461778"/>
+          </a:xfrm>
+        </p:spPr>
+        <p:txBody>
+          <a:bodyPr vert="horz" lIns="91440" tIns="45720" rIns="91440" bIns="45720" rtlCol="0" anchor="ctr">
+            <a:normAutofit/>
+          </a:bodyPr>
+          <a:lstStyle/>
+          <a:p>
+            <a:r>
+              <a:rPr lang="en-US" sz="4000" u="sng" cap="none" dirty="0"/>
+              <a:t>Coding</a:t>
+            </a:r>
+          </a:p>
+        </p:txBody>
+      </p:sp>
+      <p:grpSp>
+        <p:nvGrpSpPr>
+          <p:cNvPr id="23" name="Group 22">
+            <a:extLst>
+              <a:ext uri="{FF2B5EF4-FFF2-40B4-BE49-F238E27FC236}">
+                <a16:creationId xmlns:a16="http://schemas.microsoft.com/office/drawing/2014/main" id="{27D8A815-1B1F-4DB5-A03C-F4987CF0CB0F}"/>
+              </a:ext>
+              <a:ext uri="{C183D7F6-B498-43B3-948B-1728B52AA6E4}">
+                <adec:decorative xmlns:adec="http://schemas.microsoft.com/office/drawing/2017/decorative" val="1"/>
+              </a:ext>
+            </a:extLst>
+          </p:cNvPr>
+          <p:cNvGrpSpPr>
+            <a:grpSpLocks noGrp="1" noUngrp="1" noRot="1" noChangeAspect="1" noMove="1" noResize="1"/>
+          </p:cNvGrpSpPr>
+          <p:nvPr>
+            <p:extLst>
+              <p:ext uri="{386F3935-93C4-4BCD-93E2-E3B085C9AB24}">
+                <p16:designElem xmlns:p16="http://schemas.microsoft.com/office/powerpoint/2015/main" val="1"/>
+              </p:ext>
+            </p:extLst>
+          </p:nvPr>
+        </p:nvGrpSpPr>
+        <p:grpSpPr>
+          <a:xfrm flipV="1">
+            <a:off x="327777" y="343106"/>
+            <a:ext cx="1692092" cy="1852591"/>
+            <a:chOff x="790870" y="911082"/>
+            <a:chExt cx="2191635" cy="2442764"/>
+          </a:xfrm>
+        </p:grpSpPr>
+        <p:sp>
+          <p:nvSpPr>
+            <p:cNvPr id="24" name="Freeform 5">
+              <a:extLst>
+                <a:ext uri="{FF2B5EF4-FFF2-40B4-BE49-F238E27FC236}">
+                  <a16:creationId xmlns:a16="http://schemas.microsoft.com/office/drawing/2014/main" id="{261388EF-B4CE-4326-979A-2F53CED606FE}"/>
+                </a:ext>
+                <a:ext uri="{C183D7F6-B498-43B3-948B-1728B52AA6E4}">
+                  <adec:decorative xmlns:adec="http://schemas.microsoft.com/office/drawing/2017/decorative" val="1"/>
+                </a:ext>
+              </a:extLst>
+            </p:cNvPr>
+            <p:cNvSpPr>
+              <a:spLocks noChangeAspect="1"/>
+            </p:cNvSpPr>
+            <p:nvPr>
+              <p:extLst>
+                <p:ext uri="{386F3935-93C4-4BCD-93E2-E3B085C9AB24}">
+                  <p16:designElem xmlns:p16="http://schemas.microsoft.com/office/powerpoint/2015/main" val="1"/>
+                </p:ext>
+              </p:extLst>
+            </p:nvPr>
+          </p:nvSpPr>
+          <p:spPr bwMode="auto">
+            <a:xfrm>
+              <a:off x="790870" y="2245586"/>
+              <a:ext cx="1262906" cy="1108260"/>
+            </a:xfrm>
+            <a:custGeom>
+              <a:avLst/>
+              <a:gdLst>
+                <a:gd name="T0" fmla="*/ 781 w 1099"/>
+                <a:gd name="T1" fmla="*/ 0 h 968"/>
+                <a:gd name="T2" fmla="*/ 318 w 1099"/>
+                <a:gd name="T3" fmla="*/ 0 h 968"/>
+                <a:gd name="T4" fmla="*/ 246 w 1099"/>
+                <a:gd name="T5" fmla="*/ 42 h 968"/>
+                <a:gd name="T6" fmla="*/ 15 w 1099"/>
+                <a:gd name="T7" fmla="*/ 443 h 968"/>
+                <a:gd name="T8" fmla="*/ 15 w 1099"/>
+                <a:gd name="T9" fmla="*/ 525 h 968"/>
+                <a:gd name="T10" fmla="*/ 246 w 1099"/>
+                <a:gd name="T11" fmla="*/ 926 h 968"/>
+                <a:gd name="T12" fmla="*/ 318 w 1099"/>
+                <a:gd name="T13" fmla="*/ 968 h 968"/>
+                <a:gd name="T14" fmla="*/ 781 w 1099"/>
+                <a:gd name="T15" fmla="*/ 968 h 968"/>
+                <a:gd name="T16" fmla="*/ 852 w 1099"/>
+                <a:gd name="T17" fmla="*/ 926 h 968"/>
+                <a:gd name="T18" fmla="*/ 1084 w 1099"/>
+                <a:gd name="T19" fmla="*/ 525 h 968"/>
+                <a:gd name="T20" fmla="*/ 1084 w 1099"/>
+                <a:gd name="T21" fmla="*/ 443 h 968"/>
+                <a:gd name="T22" fmla="*/ 852 w 1099"/>
+                <a:gd name="T23" fmla="*/ 42 h 968"/>
+                <a:gd name="T24" fmla="*/ 781 w 1099"/>
+                <a:gd name="T25" fmla="*/ 0 h 968"/>
+              </a:gdLst>
+              <a:ahLst/>
+              <a:cxnLst>
+                <a:cxn ang="0">
+                  <a:pos x="T0" y="T1"/>
+                </a:cxn>
+                <a:cxn ang="0">
+                  <a:pos x="T2" y="T3"/>
+                </a:cxn>
+                <a:cxn ang="0">
+                  <a:pos x="T4" y="T5"/>
+                </a:cxn>
+                <a:cxn ang="0">
+                  <a:pos x="T6" y="T7"/>
+                </a:cxn>
+                <a:cxn ang="0">
+                  <a:pos x="T8" y="T9"/>
+                </a:cxn>
+                <a:cxn ang="0">
+                  <a:pos x="T10" y="T11"/>
+                </a:cxn>
+                <a:cxn ang="0">
+                  <a:pos x="T12" y="T13"/>
+                </a:cxn>
+                <a:cxn ang="0">
+                  <a:pos x="T14" y="T15"/>
+                </a:cxn>
+                <a:cxn ang="0">
+                  <a:pos x="T16" y="T17"/>
+                </a:cxn>
+                <a:cxn ang="0">
+                  <a:pos x="T18" y="T19"/>
+                </a:cxn>
+                <a:cxn ang="0">
+                  <a:pos x="T20" y="T21"/>
+                </a:cxn>
+                <a:cxn ang="0">
+                  <a:pos x="T22" y="T23"/>
+                </a:cxn>
+                <a:cxn ang="0">
+                  <a:pos x="T24" y="T25"/>
+                </a:cxn>
+              </a:cxnLst>
+              <a:rect l="0" t="0" r="r" b="b"/>
+              <a:pathLst>
+                <a:path w="1099" h="968">
+                  <a:moveTo>
+                    <a:pt x="781" y="0"/>
+                  </a:moveTo>
+                  <a:cubicBezTo>
+                    <a:pt x="318" y="0"/>
+                    <a:pt x="318" y="0"/>
+                    <a:pt x="318" y="0"/>
+                  </a:cubicBezTo>
+                  <a:cubicBezTo>
+                    <a:pt x="288" y="0"/>
+                    <a:pt x="261" y="16"/>
+                    <a:pt x="246" y="42"/>
+                  </a:cubicBezTo>
+                  <a:cubicBezTo>
+                    <a:pt x="15" y="443"/>
+                    <a:pt x="15" y="443"/>
+                    <a:pt x="15" y="443"/>
+                  </a:cubicBezTo>
+                  <a:cubicBezTo>
+                    <a:pt x="0" y="468"/>
+                    <a:pt x="0" y="500"/>
+                    <a:pt x="15" y="525"/>
+                  </a:cubicBezTo>
+                  <a:cubicBezTo>
+                    <a:pt x="246" y="926"/>
+                    <a:pt x="246" y="926"/>
+                    <a:pt x="246" y="926"/>
+                  </a:cubicBezTo>
+                  <a:cubicBezTo>
+                    <a:pt x="261" y="952"/>
+                    <a:pt x="288" y="968"/>
+                    <a:pt x="318" y="968"/>
+                  </a:cubicBezTo>
+                  <a:cubicBezTo>
+                    <a:pt x="781" y="968"/>
+                    <a:pt x="781" y="968"/>
+                    <a:pt x="781" y="968"/>
+                  </a:cubicBezTo>
+                  <a:cubicBezTo>
+                    <a:pt x="810" y="968"/>
+                    <a:pt x="838" y="952"/>
+                    <a:pt x="852" y="926"/>
+                  </a:cubicBezTo>
+                  <a:cubicBezTo>
+                    <a:pt x="1084" y="525"/>
+                    <a:pt x="1084" y="525"/>
+                    <a:pt x="1084" y="525"/>
+                  </a:cubicBezTo>
+                  <a:cubicBezTo>
+                    <a:pt x="1099" y="500"/>
+                    <a:pt x="1099" y="468"/>
+                    <a:pt x="1084" y="443"/>
+                  </a:cubicBezTo>
+                  <a:cubicBezTo>
+                    <a:pt x="852" y="42"/>
+                    <a:pt x="852" y="42"/>
+                    <a:pt x="852" y="42"/>
+                  </a:cubicBezTo>
+                  <a:cubicBezTo>
+                    <a:pt x="838" y="16"/>
+                    <a:pt x="810" y="0"/>
+                    <a:pt x="781" y="0"/>
+                  </a:cubicBezTo>
+                  <a:close/>
+                </a:path>
+              </a:pathLst>
+            </a:custGeom>
+            <a:solidFill>
+              <a:schemeClr val="tx1">
+                <a:alpha val="40000"/>
+              </a:schemeClr>
+            </a:solidFill>
+            <a:ln w="63500" cap="flat">
+              <a:noFill/>
+              <a:prstDash val="solid"/>
+              <a:miter lim="800000"/>
+              <a:headEnd/>
+              <a:tailEnd/>
+            </a:ln>
+          </p:spPr>
+          <p:txBody>
+            <a:bodyPr vert="horz" wrap="square" lIns="91440" tIns="45720" rIns="91440" bIns="45720" numCol="1" anchor="t" anchorCtr="0" compatLnSpc="1">
+              <a:prstTxWarp prst="textNoShape">
+                <a:avLst/>
+              </a:prstTxWarp>
+            </a:bodyPr>
+            <a:lstStyle/>
+            <a:p>
+              <a:endParaRPr lang="en-US" dirty="0"/>
+            </a:p>
+          </p:txBody>
+        </p:sp>
+        <p:sp>
+          <p:nvSpPr>
+            <p:cNvPr id="25" name="Freeform 5">
+              <a:extLst>
+                <a:ext uri="{FF2B5EF4-FFF2-40B4-BE49-F238E27FC236}">
+                  <a16:creationId xmlns:a16="http://schemas.microsoft.com/office/drawing/2014/main" id="{33A25547-9075-4BDB-8F46-BA09E76AA324}"/>
+                </a:ext>
+                <a:ext uri="{C183D7F6-B498-43B3-948B-1728B52AA6E4}">
+                  <adec:decorative xmlns:adec="http://schemas.microsoft.com/office/drawing/2017/decorative" val="1"/>
+                </a:ext>
+              </a:extLst>
+            </p:cNvPr>
+            <p:cNvSpPr>
+              <a:spLocks noChangeAspect="1"/>
+            </p:cNvSpPr>
+            <p:nvPr>
+              <p:extLst>
+                <p:ext uri="{386F3935-93C4-4BCD-93E2-E3B085C9AB24}">
+                  <p16:designElem xmlns:p16="http://schemas.microsoft.com/office/powerpoint/2015/main" val="1"/>
+                </p:ext>
+              </p:extLst>
+            </p:nvPr>
+          </p:nvSpPr>
+          <p:spPr bwMode="auto">
+            <a:xfrm>
+              <a:off x="933975" y="911082"/>
+              <a:ext cx="2048530" cy="1797684"/>
+            </a:xfrm>
+            <a:custGeom>
+              <a:avLst/>
+              <a:gdLst>
+                <a:gd name="T0" fmla="*/ 781 w 1099"/>
+                <a:gd name="T1" fmla="*/ 0 h 968"/>
+                <a:gd name="T2" fmla="*/ 318 w 1099"/>
+                <a:gd name="T3" fmla="*/ 0 h 968"/>
+                <a:gd name="T4" fmla="*/ 246 w 1099"/>
+                <a:gd name="T5" fmla="*/ 42 h 968"/>
+                <a:gd name="T6" fmla="*/ 15 w 1099"/>
+                <a:gd name="T7" fmla="*/ 443 h 968"/>
+                <a:gd name="T8" fmla="*/ 15 w 1099"/>
+                <a:gd name="T9" fmla="*/ 525 h 968"/>
+                <a:gd name="T10" fmla="*/ 246 w 1099"/>
+                <a:gd name="T11" fmla="*/ 926 h 968"/>
+                <a:gd name="T12" fmla="*/ 318 w 1099"/>
+                <a:gd name="T13" fmla="*/ 968 h 968"/>
+                <a:gd name="T14" fmla="*/ 781 w 1099"/>
+                <a:gd name="T15" fmla="*/ 968 h 968"/>
+                <a:gd name="T16" fmla="*/ 852 w 1099"/>
+                <a:gd name="T17" fmla="*/ 926 h 968"/>
+                <a:gd name="T18" fmla="*/ 1084 w 1099"/>
+                <a:gd name="T19" fmla="*/ 525 h 968"/>
+                <a:gd name="T20" fmla="*/ 1084 w 1099"/>
+                <a:gd name="T21" fmla="*/ 443 h 968"/>
+                <a:gd name="T22" fmla="*/ 852 w 1099"/>
+                <a:gd name="T23" fmla="*/ 42 h 968"/>
+                <a:gd name="T24" fmla="*/ 781 w 1099"/>
+                <a:gd name="T25" fmla="*/ 0 h 968"/>
+              </a:gdLst>
+              <a:ahLst/>
+              <a:cxnLst>
+                <a:cxn ang="0">
+                  <a:pos x="T0" y="T1"/>
+                </a:cxn>
+                <a:cxn ang="0">
+                  <a:pos x="T2" y="T3"/>
+                </a:cxn>
+                <a:cxn ang="0">
+                  <a:pos x="T4" y="T5"/>
+                </a:cxn>
+                <a:cxn ang="0">
+                  <a:pos x="T6" y="T7"/>
+                </a:cxn>
+                <a:cxn ang="0">
+                  <a:pos x="T8" y="T9"/>
+                </a:cxn>
+                <a:cxn ang="0">
+                  <a:pos x="T10" y="T11"/>
+                </a:cxn>
+                <a:cxn ang="0">
+                  <a:pos x="T12" y="T13"/>
+                </a:cxn>
+                <a:cxn ang="0">
+                  <a:pos x="T14" y="T15"/>
+                </a:cxn>
+                <a:cxn ang="0">
+                  <a:pos x="T16" y="T17"/>
+                </a:cxn>
+                <a:cxn ang="0">
+                  <a:pos x="T18" y="T19"/>
+                </a:cxn>
+                <a:cxn ang="0">
+                  <a:pos x="T20" y="T21"/>
+                </a:cxn>
+                <a:cxn ang="0">
+                  <a:pos x="T22" y="T23"/>
+                </a:cxn>
+                <a:cxn ang="0">
+                  <a:pos x="T24" y="T25"/>
+                </a:cxn>
+              </a:cxnLst>
+              <a:rect l="0" t="0" r="r" b="b"/>
+              <a:pathLst>
+                <a:path w="1099" h="968">
+                  <a:moveTo>
+                    <a:pt x="781" y="0"/>
+                  </a:moveTo>
+                  <a:cubicBezTo>
+                    <a:pt x="318" y="0"/>
+                    <a:pt x="318" y="0"/>
+                    <a:pt x="318" y="0"/>
+                  </a:cubicBezTo>
+                  <a:cubicBezTo>
+                    <a:pt x="288" y="0"/>
+                    <a:pt x="261" y="16"/>
+                    <a:pt x="246" y="42"/>
+                  </a:cubicBezTo>
+                  <a:cubicBezTo>
+                    <a:pt x="15" y="443"/>
+                    <a:pt x="15" y="443"/>
+                    <a:pt x="15" y="443"/>
+                  </a:cubicBezTo>
+                  <a:cubicBezTo>
+                    <a:pt x="0" y="468"/>
+                    <a:pt x="0" y="500"/>
+                    <a:pt x="15" y="525"/>
+                  </a:cubicBezTo>
+                  <a:cubicBezTo>
+                    <a:pt x="246" y="926"/>
+                    <a:pt x="246" y="926"/>
+                    <a:pt x="246" y="926"/>
+                  </a:cubicBezTo>
+                  <a:cubicBezTo>
+                    <a:pt x="261" y="952"/>
+                    <a:pt x="288" y="968"/>
+                    <a:pt x="318" y="968"/>
+                  </a:cubicBezTo>
+                  <a:cubicBezTo>
+                    <a:pt x="781" y="968"/>
+                    <a:pt x="781" y="968"/>
+                    <a:pt x="781" y="968"/>
+                  </a:cubicBezTo>
+                  <a:cubicBezTo>
+                    <a:pt x="810" y="968"/>
+                    <a:pt x="838" y="952"/>
+                    <a:pt x="852" y="926"/>
+                  </a:cubicBezTo>
+                  <a:cubicBezTo>
+                    <a:pt x="1084" y="525"/>
+                    <a:pt x="1084" y="525"/>
+                    <a:pt x="1084" y="525"/>
+                  </a:cubicBezTo>
+                  <a:cubicBezTo>
+                    <a:pt x="1099" y="500"/>
+                    <a:pt x="1099" y="468"/>
+                    <a:pt x="1084" y="443"/>
+                  </a:cubicBezTo>
+                  <a:cubicBezTo>
+                    <a:pt x="852" y="42"/>
+                    <a:pt x="852" y="42"/>
+                    <a:pt x="852" y="42"/>
+                  </a:cubicBezTo>
+                  <a:cubicBezTo>
+                    <a:pt x="838" y="16"/>
+                    <a:pt x="810" y="0"/>
+                    <a:pt x="781" y="0"/>
+                  </a:cubicBezTo>
+                  <a:close/>
+                </a:path>
+              </a:pathLst>
+            </a:custGeom>
+            <a:noFill/>
+            <a:ln w="63500" cap="flat">
+              <a:solidFill>
+                <a:schemeClr val="tx1">
+                  <a:alpha val="60000"/>
+                </a:schemeClr>
+              </a:solidFill>
+              <a:prstDash val="solid"/>
+              <a:miter lim="800000"/>
+              <a:headEnd/>
+              <a:tailEnd/>
+            </a:ln>
+          </p:spPr>
+          <p:txBody>
+            <a:bodyPr vert="horz" wrap="square" lIns="91440" tIns="45720" rIns="91440" bIns="45720" numCol="1" anchor="t" anchorCtr="0" compatLnSpc="1">
+              <a:prstTxWarp prst="textNoShape">
+                <a:avLst/>
+              </a:prstTxWarp>
+            </a:bodyPr>
+            <a:lstStyle/>
+            <a:p>
+              <a:endParaRPr lang="en-US" dirty="0"/>
+            </a:p>
+          </p:txBody>
+        </p:sp>
+        <p:sp>
+          <p:nvSpPr>
+            <p:cNvPr id="26" name="Freeform 5">
+              <a:extLst>
+                <a:ext uri="{FF2B5EF4-FFF2-40B4-BE49-F238E27FC236}">
+                  <a16:creationId xmlns:a16="http://schemas.microsoft.com/office/drawing/2014/main" id="{1D917FAD-3240-4D3F-91A0-9571F75DC6DC}"/>
+                </a:ext>
+                <a:ext uri="{C183D7F6-B498-43B3-948B-1728B52AA6E4}">
+                  <adec:decorative xmlns:adec="http://schemas.microsoft.com/office/drawing/2017/decorative" val="1"/>
+                </a:ext>
+              </a:extLst>
+            </p:cNvPr>
+            <p:cNvSpPr>
+              <a:spLocks noChangeAspect="1"/>
+            </p:cNvSpPr>
+            <p:nvPr>
+              <p:extLst>
+                <p:ext uri="{386F3935-93C4-4BCD-93E2-E3B085C9AB24}">
+                  <p16:designElem xmlns:p16="http://schemas.microsoft.com/office/powerpoint/2015/main" val="1"/>
+                </p:ext>
+              </p:extLst>
+            </p:nvPr>
+          </p:nvSpPr>
+          <p:spPr bwMode="auto">
+            <a:xfrm>
+              <a:off x="1362936" y="1825453"/>
+              <a:ext cx="799094" cy="701243"/>
+            </a:xfrm>
+            <a:custGeom>
+              <a:avLst/>
+              <a:gdLst>
+                <a:gd name="T0" fmla="*/ 781 w 1099"/>
+                <a:gd name="T1" fmla="*/ 0 h 968"/>
+                <a:gd name="T2" fmla="*/ 318 w 1099"/>
+                <a:gd name="T3" fmla="*/ 0 h 968"/>
+                <a:gd name="T4" fmla="*/ 246 w 1099"/>
+                <a:gd name="T5" fmla="*/ 42 h 968"/>
+                <a:gd name="T6" fmla="*/ 15 w 1099"/>
+                <a:gd name="T7" fmla="*/ 443 h 968"/>
+                <a:gd name="T8" fmla="*/ 15 w 1099"/>
+                <a:gd name="T9" fmla="*/ 525 h 968"/>
+                <a:gd name="T10" fmla="*/ 246 w 1099"/>
+                <a:gd name="T11" fmla="*/ 926 h 968"/>
+                <a:gd name="T12" fmla="*/ 318 w 1099"/>
+                <a:gd name="T13" fmla="*/ 968 h 968"/>
+                <a:gd name="T14" fmla="*/ 781 w 1099"/>
+                <a:gd name="T15" fmla="*/ 968 h 968"/>
+                <a:gd name="T16" fmla="*/ 852 w 1099"/>
+                <a:gd name="T17" fmla="*/ 926 h 968"/>
+                <a:gd name="T18" fmla="*/ 1084 w 1099"/>
+                <a:gd name="T19" fmla="*/ 525 h 968"/>
+                <a:gd name="T20" fmla="*/ 1084 w 1099"/>
+                <a:gd name="T21" fmla="*/ 443 h 968"/>
+                <a:gd name="T22" fmla="*/ 852 w 1099"/>
+                <a:gd name="T23" fmla="*/ 42 h 968"/>
+                <a:gd name="T24" fmla="*/ 781 w 1099"/>
+                <a:gd name="T25" fmla="*/ 0 h 968"/>
+              </a:gdLst>
+              <a:ahLst/>
+              <a:cxnLst>
+                <a:cxn ang="0">
+                  <a:pos x="T0" y="T1"/>
+                </a:cxn>
+                <a:cxn ang="0">
+                  <a:pos x="T2" y="T3"/>
+                </a:cxn>
+                <a:cxn ang="0">
+                  <a:pos x="T4" y="T5"/>
+                </a:cxn>
+                <a:cxn ang="0">
+                  <a:pos x="T6" y="T7"/>
+                </a:cxn>
+                <a:cxn ang="0">
+                  <a:pos x="T8" y="T9"/>
+                </a:cxn>
+                <a:cxn ang="0">
+                  <a:pos x="T10" y="T11"/>
+                </a:cxn>
+                <a:cxn ang="0">
+                  <a:pos x="T12" y="T13"/>
+                </a:cxn>
+                <a:cxn ang="0">
+                  <a:pos x="T14" y="T15"/>
+                </a:cxn>
+                <a:cxn ang="0">
+                  <a:pos x="T16" y="T17"/>
+                </a:cxn>
+                <a:cxn ang="0">
+                  <a:pos x="T18" y="T19"/>
+                </a:cxn>
+                <a:cxn ang="0">
+                  <a:pos x="T20" y="T21"/>
+                </a:cxn>
+                <a:cxn ang="0">
+                  <a:pos x="T22" y="T23"/>
+                </a:cxn>
+                <a:cxn ang="0">
+                  <a:pos x="T24" y="T25"/>
+                </a:cxn>
+              </a:cxnLst>
+              <a:rect l="0" t="0" r="r" b="b"/>
+              <a:pathLst>
+                <a:path w="1099" h="968">
+                  <a:moveTo>
+                    <a:pt x="781" y="0"/>
+                  </a:moveTo>
+                  <a:cubicBezTo>
+                    <a:pt x="318" y="0"/>
+                    <a:pt x="318" y="0"/>
+                    <a:pt x="318" y="0"/>
+                  </a:cubicBezTo>
+                  <a:cubicBezTo>
+                    <a:pt x="288" y="0"/>
+                    <a:pt x="261" y="16"/>
+                    <a:pt x="246" y="42"/>
+                  </a:cubicBezTo>
+                  <a:cubicBezTo>
+                    <a:pt x="15" y="443"/>
+                    <a:pt x="15" y="443"/>
+                    <a:pt x="15" y="443"/>
+                  </a:cubicBezTo>
+                  <a:cubicBezTo>
+                    <a:pt x="0" y="468"/>
+                    <a:pt x="0" y="500"/>
+                    <a:pt x="15" y="525"/>
+                  </a:cubicBezTo>
+                  <a:cubicBezTo>
+                    <a:pt x="246" y="926"/>
+                    <a:pt x="246" y="926"/>
+                    <a:pt x="246" y="926"/>
+                  </a:cubicBezTo>
+                  <a:cubicBezTo>
+                    <a:pt x="261" y="952"/>
+                    <a:pt x="288" y="968"/>
+                    <a:pt x="318" y="968"/>
+                  </a:cubicBezTo>
+                  <a:cubicBezTo>
+                    <a:pt x="781" y="968"/>
+                    <a:pt x="781" y="968"/>
+                    <a:pt x="781" y="968"/>
+                  </a:cubicBezTo>
+                  <a:cubicBezTo>
+                    <a:pt x="810" y="968"/>
+                    <a:pt x="838" y="952"/>
+                    <a:pt x="852" y="926"/>
+                  </a:cubicBezTo>
+                  <a:cubicBezTo>
+                    <a:pt x="1084" y="525"/>
+                    <a:pt x="1084" y="525"/>
+                    <a:pt x="1084" y="525"/>
+                  </a:cubicBezTo>
+                  <a:cubicBezTo>
+                    <a:pt x="1099" y="500"/>
+                    <a:pt x="1099" y="468"/>
+                    <a:pt x="1084" y="443"/>
+                  </a:cubicBezTo>
+                  <a:cubicBezTo>
+                    <a:pt x="852" y="42"/>
+                    <a:pt x="852" y="42"/>
+                    <a:pt x="852" y="42"/>
+                  </a:cubicBezTo>
+                  <a:cubicBezTo>
+                    <a:pt x="838" y="16"/>
+                    <a:pt x="810" y="0"/>
+                    <a:pt x="781" y="0"/>
+                  </a:cubicBezTo>
+                  <a:close/>
+                </a:path>
+              </a:pathLst>
+            </a:custGeom>
+            <a:solidFill>
+              <a:schemeClr val="tx1">
+                <a:alpha val="60000"/>
+              </a:schemeClr>
+            </a:solidFill>
+            <a:ln w="63500" cap="flat">
+              <a:noFill/>
+              <a:prstDash val="solid"/>
+              <a:miter lim="800000"/>
+              <a:headEnd/>
+              <a:tailEnd/>
+            </a:ln>
+          </p:spPr>
+          <p:txBody>
+            <a:bodyPr vert="horz" wrap="square" lIns="91440" tIns="45720" rIns="91440" bIns="45720" numCol="1" anchor="t" anchorCtr="0" compatLnSpc="1">
+              <a:prstTxWarp prst="textNoShape">
+                <a:avLst/>
+              </a:prstTxWarp>
+            </a:bodyPr>
+            <a:lstStyle/>
+            <a:p>
+              <a:endParaRPr lang="en-US" dirty="0"/>
+            </a:p>
+          </p:txBody>
+        </p:sp>
+      </p:grpSp>
+      <p:sp>
+        <p:nvSpPr>
+          <p:cNvPr id="3" name="Content Placeholder 2">
+            <a:extLst>
+              <a:ext uri="{FF2B5EF4-FFF2-40B4-BE49-F238E27FC236}">
+                <a16:creationId xmlns:a16="http://schemas.microsoft.com/office/drawing/2014/main" id="{F558CF19-A154-374B-8AB9-7AEBC63D4396}"/>
+              </a:ext>
+            </a:extLst>
+          </p:cNvPr>
+          <p:cNvSpPr>
+            <a:spLocks noGrp="1"/>
+          </p:cNvSpPr>
+          <p:nvPr>
+            <p:ph idx="1"/>
+          </p:nvPr>
+        </p:nvSpPr>
+        <p:spPr>
+          <a:xfrm>
+            <a:off x="2210936" y="2470247"/>
+            <a:ext cx="9484235" cy="3966063"/>
+          </a:xfrm>
+        </p:spPr>
+        <p:txBody>
+          <a:bodyPr vert="horz" lIns="91440" tIns="45720" rIns="91440" bIns="45720" rtlCol="0">
+            <a:normAutofit/>
+          </a:bodyPr>
+          <a:lstStyle/>
+          <a:p>
+            <a:r>
               <a:rPr lang="en-GB" sz="1800" dirty="0"/>
-              <a:t>Wednesday afternoon:</a:t>
+              <a:t>Wednesday Morning:</a:t>
+            </a:r>
+          </a:p>
+          <a:p>
+            <a:pPr marL="0" indent="0">
+              <a:buNone/>
+            </a:pPr>
+            <a:endParaRPr lang="en-GB" sz="1800" dirty="0"/>
+          </a:p>
+          <a:p>
+            <a:pPr lvl="1"/>
+            <a:r>
+              <a:rPr lang="en-GB" sz="1600" dirty="0"/>
+              <a:t>Added in user topic functionality:</a:t>
+            </a:r>
+          </a:p>
+          <a:p>
+            <a:pPr lvl="2"/>
+            <a:r>
+              <a:rPr lang="en-GB" sz="1600" dirty="0"/>
+              <a:t>New Class, controller, repo and HTML.</a:t>
+            </a:r>
+          </a:p>
+          <a:p>
+            <a:pPr lvl="2"/>
+            <a:endParaRPr lang="en-GB" sz="1600" dirty="0"/>
+          </a:p>
+          <a:p>
+            <a:pPr lvl="2"/>
+            <a:r>
+              <a:rPr lang="en-GB" sz="1600" dirty="0"/>
+              <a:t>This took less time than previous such work.</a:t>
             </a:r>
           </a:p>
           <a:p>
             <a:pPr marL="914400" lvl="2" indent="0">
               <a:buNone/>
             </a:pPr>
-            <a:endParaRPr lang="en-GB" sz="1600" dirty="0"/>
+            <a:endParaRPr lang="en-GB" sz="1800" dirty="0"/>
+          </a:p>
+          <a:p>
+            <a:r>
+              <a:rPr lang="en-GB" sz="2000" dirty="0"/>
+              <a:t>Wednesday afternoon:</a:t>
+            </a:r>
+          </a:p>
+          <a:p>
+            <a:pPr marL="457200" lvl="1" indent="0">
+              <a:buNone/>
+            </a:pPr>
+            <a:endParaRPr lang="en-GB" sz="1800" dirty="0"/>
+          </a:p>
+          <a:p>
+            <a:pPr lvl="1"/>
+            <a:r>
+              <a:rPr lang="en-GB" sz="1800" dirty="0"/>
+              <a:t>HTML &amp; CSS.</a:t>
+            </a:r>
           </a:p>
           <a:p>
             <a:pPr lvl="2"/>
-            <a:r>
-              <a:rPr lang="en-GB" sz="1600" dirty="0"/>
-              <a:t>HTML &amp; CSS.</a:t>
-            </a:r>
-          </a:p>
-          <a:p>
-            <a:pPr lvl="3"/>
             <a:r>
               <a:rPr lang="en-GB" sz="1400" dirty="0"/>
               <a:t>Achieved basic layout functionality.</a:t>
             </a:r>
           </a:p>
           <a:p>
-            <a:pPr lvl="3"/>
+            <a:pPr lvl="2"/>
             <a:r>
               <a:rPr lang="en-GB" sz="1400" dirty="0"/>
               <a:t>Spent too long on icing, not enough on the cake.</a:t>
             </a:r>
           </a:p>
           <a:p>
-            <a:pPr lvl="2"/>
-            <a:endParaRPr lang="en-GB" sz="1600" dirty="0"/>
-          </a:p>
-          <a:p>
-            <a:pPr lvl="2"/>
-            <a:endParaRPr lang="en-GB" sz="1600" dirty="0"/>
-          </a:p>
-          <a:p>
-            <a:pPr lvl="2"/>
-            <a:endParaRPr lang="en-GB" sz="1600" dirty="0"/>
+            <a:pPr lvl="1"/>
+            <a:endParaRPr lang="en-GB" sz="1800" dirty="0"/>
+          </a:p>
+          <a:p>
+            <a:pPr lvl="1"/>
+            <a:endParaRPr lang="en-GB" sz="1800" dirty="0"/>
+          </a:p>
+          <a:p>
+            <a:pPr lvl="1"/>
+            <a:endParaRPr lang="en-GB" sz="1800" dirty="0"/>
           </a:p>
         </p:txBody>
       </p:sp>
